--- a/TDDWithMVC.pptx
+++ b/TDDWithMVC.pptx
@@ -12,6 +12,14 @@
     <p:sldId id="270" r:id="rId6"/>
     <p:sldId id="267" r:id="rId7"/>
     <p:sldId id="271" r:id="rId8"/>
+    <p:sldId id="272" r:id="rId9"/>
+    <p:sldId id="273" r:id="rId10"/>
+    <p:sldId id="274" r:id="rId11"/>
+    <p:sldId id="275" r:id="rId12"/>
+    <p:sldId id="276" r:id="rId13"/>
+    <p:sldId id="279" r:id="rId14"/>
+    <p:sldId id="277" r:id="rId15"/>
+    <p:sldId id="278" r:id="rId16"/>
   </p:sldIdLst>
   <p:sldSz cx="9144000" cy="6858000" type="screen4x3"/>
   <p:notesSz cx="6858000" cy="9144000"/>
@@ -247,7 +255,7 @@
           <a:p>
             <a:fld id="{54AB02A5-4FE5-49D9-9E24-09F23B90C450}" type="datetimeFigureOut">
               <a:rPr lang="en-US" smtClean="0"/>
-              <a:t>3/1/2011</a:t>
+              <a:t>3/9/2011</a:t>
             </a:fld>
             <a:endParaRPr lang="en-US"/>
           </a:p>
@@ -560,7 +568,7 @@
           <a:p>
             <a:fld id="{54AB02A5-4FE5-49D9-9E24-09F23B90C450}" type="datetimeFigureOut">
               <a:rPr lang="en-US" smtClean="0"/>
-              <a:t>3/1/2011</a:t>
+              <a:t>3/9/2011</a:t>
             </a:fld>
             <a:endParaRPr lang="en-US"/>
           </a:p>
@@ -745,7 +753,7 @@
           <a:p>
             <a:fld id="{54AB02A5-4FE5-49D9-9E24-09F23B90C450}" type="datetimeFigureOut">
               <a:rPr lang="en-US" smtClean="0"/>
-              <a:t>3/1/2011</a:t>
+              <a:t>3/9/2011</a:t>
             </a:fld>
             <a:endParaRPr lang="en-US"/>
           </a:p>
@@ -920,7 +928,7 @@
           <a:p>
             <a:fld id="{54AB02A5-4FE5-49D9-9E24-09F23B90C450}" type="datetimeFigureOut">
               <a:rPr lang="en-US" smtClean="0"/>
-              <a:t>3/1/2011</a:t>
+              <a:t>3/9/2011</a:t>
             </a:fld>
             <a:endParaRPr lang="en-US"/>
           </a:p>
@@ -1188,7 +1196,7 @@
           <a:p>
             <a:fld id="{54AB02A5-4FE5-49D9-9E24-09F23B90C450}" type="datetimeFigureOut">
               <a:rPr lang="en-US" smtClean="0"/>
-              <a:t>3/1/2011</a:t>
+              <a:t>3/9/2011</a:t>
             </a:fld>
             <a:endParaRPr lang="en-US"/>
           </a:p>
@@ -1656,7 +1664,7 @@
           <a:p>
             <a:fld id="{54AB02A5-4FE5-49D9-9E24-09F23B90C450}" type="datetimeFigureOut">
               <a:rPr lang="en-US" smtClean="0"/>
-              <a:t>3/1/2011</a:t>
+              <a:t>3/9/2011</a:t>
             </a:fld>
             <a:endParaRPr lang="en-US"/>
           </a:p>
@@ -2145,7 +2153,7 @@
           <a:p>
             <a:fld id="{54AB02A5-4FE5-49D9-9E24-09F23B90C450}" type="datetimeFigureOut">
               <a:rPr lang="en-US" smtClean="0"/>
-              <a:t>3/1/2011</a:t>
+              <a:t>3/9/2011</a:t>
             </a:fld>
             <a:endParaRPr lang="en-US"/>
           </a:p>
@@ -2271,7 +2279,7 @@
           <a:p>
             <a:fld id="{54AB02A5-4FE5-49D9-9E24-09F23B90C450}" type="datetimeFigureOut">
               <a:rPr lang="en-US" smtClean="0"/>
-              <a:t>3/1/2011</a:t>
+              <a:t>3/9/2011</a:t>
             </a:fld>
             <a:endParaRPr lang="en-US"/>
           </a:p>
@@ -2415,7 +2423,7 @@
           <a:p>
             <a:fld id="{54AB02A5-4FE5-49D9-9E24-09F23B90C450}" type="datetimeFigureOut">
               <a:rPr lang="en-US" smtClean="0"/>
-              <a:t>3/1/2011</a:t>
+              <a:t>3/9/2011</a:t>
             </a:fld>
             <a:endParaRPr lang="en-US"/>
           </a:p>
@@ -2737,7 +2745,7 @@
           <a:p>
             <a:fld id="{54AB02A5-4FE5-49D9-9E24-09F23B90C450}" type="datetimeFigureOut">
               <a:rPr lang="en-US" smtClean="0"/>
-              <a:t>3/1/2011</a:t>
+              <a:t>3/9/2011</a:t>
             </a:fld>
             <a:endParaRPr lang="en-US"/>
           </a:p>
@@ -2871,7 +2879,7 @@
           <a:p>
             <a:fld id="{54AB02A5-4FE5-49D9-9E24-09F23B90C450}" type="datetimeFigureOut">
               <a:rPr lang="en-US" smtClean="0"/>
-              <a:t>3/1/2011</a:t>
+              <a:t>3/9/2011</a:t>
             </a:fld>
             <a:endParaRPr lang="en-US"/>
           </a:p>
@@ -3653,7 +3661,7 @@
             <a:pPr algn="r" eaLnBrk="1" latinLnBrk="0" hangingPunct="1"/>
             <a:fld id="{54AB02A5-4FE5-49D9-9E24-09F23B90C450}" type="datetimeFigureOut">
               <a:rPr lang="en-US" smtClean="0"/>
-              <a:t>3/1/2011</a:t>
+              <a:t>3/9/2011</a:t>
             </a:fld>
             <a:endParaRPr lang="en-US" sz="1200">
               <a:solidFill>
@@ -4228,7 +4236,6 @@
               <a:rPr lang="en-US" dirty="0"/>
               <a:t>and ASP.NET MVC</a:t>
             </a:r>
-            <a:endParaRPr lang="en-US" dirty="0"/>
           </a:p>
         </p:txBody>
       </p:sp>
@@ -4236,6 +4243,536 @@
     <p:extLst>
       <p:ext uri="{BB962C8B-B14F-4D97-AF65-F5344CB8AC3E}">
         <p14:creationId xmlns:p14="http://schemas.microsoft.com/office/powerpoint/2010/main" val="4183957954"/>
+      </p:ext>
+    </p:extLst>
+  </p:cSld>
+  <p:clrMapOvr>
+    <a:masterClrMapping/>
+  </p:clrMapOvr>
+</p:sld>
+</file>
+
+<file path=ppt/slides/slide10.xml><?xml version="1.0" encoding="utf-8"?>
+<p:sld xmlns:a="http://schemas.openxmlformats.org/drawingml/2006/main" xmlns:r="http://schemas.openxmlformats.org/officeDocument/2006/relationships" xmlns:p="http://schemas.openxmlformats.org/presentationml/2006/main">
+  <p:cSld>
+    <p:spTree>
+      <p:nvGrpSpPr>
+        <p:cNvPr id="1" name=""/>
+        <p:cNvGrpSpPr/>
+        <p:nvPr/>
+      </p:nvGrpSpPr>
+      <p:grpSpPr>
+        <a:xfrm>
+          <a:off x="0" y="0"/>
+          <a:ext cx="0" cy="0"/>
+          <a:chOff x="0" y="0"/>
+          <a:chExt cx="0" cy="0"/>
+        </a:xfrm>
+      </p:grpSpPr>
+      <p:sp>
+        <p:nvSpPr>
+          <p:cNvPr id="2" name="Title 1"/>
+          <p:cNvSpPr>
+            <a:spLocks noGrp="1"/>
+          </p:cNvSpPr>
+          <p:nvPr>
+            <p:ph type="title"/>
+          </p:nvPr>
+        </p:nvSpPr>
+        <p:spPr/>
+        <p:txBody>
+          <a:bodyPr/>
+          <a:lstStyle/>
+          <a:p>
+            <a:r>
+              <a:rPr lang="en-US" dirty="0" smtClean="0"/>
+              <a:t>Code</a:t>
+            </a:r>
+            <a:endParaRPr lang="en-US" dirty="0"/>
+          </a:p>
+        </p:txBody>
+      </p:sp>
+      <p:sp>
+        <p:nvSpPr>
+          <p:cNvPr id="3" name="Content Placeholder 2"/>
+          <p:cNvSpPr>
+            <a:spLocks noGrp="1"/>
+          </p:cNvSpPr>
+          <p:nvPr>
+            <p:ph idx="1"/>
+          </p:nvPr>
+        </p:nvSpPr>
+        <p:spPr/>
+        <p:txBody>
+          <a:bodyPr/>
+          <a:lstStyle/>
+          <a:p>
+            <a:r>
+              <a:rPr lang="en-US" dirty="0" smtClean="0"/>
+              <a:t>Let’s do some code.</a:t>
+            </a:r>
+            <a:endParaRPr lang="en-US" dirty="0"/>
+          </a:p>
+        </p:txBody>
+      </p:sp>
+    </p:spTree>
+    <p:extLst>
+      <p:ext uri="{BB962C8B-B14F-4D97-AF65-F5344CB8AC3E}">
+        <p14:creationId xmlns:p14="http://schemas.microsoft.com/office/powerpoint/2010/main" val="1220607973"/>
+      </p:ext>
+    </p:extLst>
+  </p:cSld>
+  <p:clrMapOvr>
+    <a:masterClrMapping/>
+  </p:clrMapOvr>
+</p:sld>
+</file>
+
+<file path=ppt/slides/slide11.xml><?xml version="1.0" encoding="utf-8"?>
+<p:sld xmlns:a="http://schemas.openxmlformats.org/drawingml/2006/main" xmlns:r="http://schemas.openxmlformats.org/officeDocument/2006/relationships" xmlns:p="http://schemas.openxmlformats.org/presentationml/2006/main">
+  <p:cSld>
+    <p:spTree>
+      <p:nvGrpSpPr>
+        <p:cNvPr id="1" name=""/>
+        <p:cNvGrpSpPr/>
+        <p:nvPr/>
+      </p:nvGrpSpPr>
+      <p:grpSpPr>
+        <a:xfrm>
+          <a:off x="0" y="0"/>
+          <a:ext cx="0" cy="0"/>
+          <a:chOff x="0" y="0"/>
+          <a:chExt cx="0" cy="0"/>
+        </a:xfrm>
+      </p:grpSpPr>
+      <p:sp>
+        <p:nvSpPr>
+          <p:cNvPr id="2" name="Title 1"/>
+          <p:cNvSpPr>
+            <a:spLocks noGrp="1"/>
+          </p:cNvSpPr>
+          <p:nvPr>
+            <p:ph type="title"/>
+          </p:nvPr>
+        </p:nvSpPr>
+        <p:spPr/>
+        <p:txBody>
+          <a:bodyPr/>
+          <a:lstStyle/>
+          <a:p>
+            <a:r>
+              <a:rPr lang="en-US" dirty="0" smtClean="0"/>
+              <a:t>Integration Tests</a:t>
+            </a:r>
+            <a:endParaRPr lang="en-US" dirty="0"/>
+          </a:p>
+        </p:txBody>
+      </p:sp>
+      <p:sp>
+        <p:nvSpPr>
+          <p:cNvPr id="3" name="Content Placeholder 2"/>
+          <p:cNvSpPr>
+            <a:spLocks noGrp="1"/>
+          </p:cNvSpPr>
+          <p:nvPr>
+            <p:ph idx="1"/>
+          </p:nvPr>
+        </p:nvSpPr>
+        <p:spPr/>
+        <p:txBody>
+          <a:bodyPr/>
+          <a:lstStyle/>
+          <a:p>
+            <a:r>
+              <a:rPr lang="en-US" dirty="0" smtClean="0"/>
+              <a:t>Testing Database Calls</a:t>
+            </a:r>
+          </a:p>
+          <a:p>
+            <a:r>
+              <a:rPr lang="en-US" dirty="0" smtClean="0"/>
+              <a:t>Must use Developer Sandbox</a:t>
+            </a:r>
+          </a:p>
+          <a:p>
+            <a:r>
+              <a:rPr lang="en-US" dirty="0" smtClean="0"/>
+              <a:t>Database must be in a “Well Known State”</a:t>
+            </a:r>
+          </a:p>
+          <a:p>
+            <a:r>
+              <a:rPr lang="en-US" dirty="0" smtClean="0"/>
+              <a:t>Slow Running Tests</a:t>
+            </a:r>
+          </a:p>
+          <a:p>
+            <a:r>
+              <a:rPr lang="en-US" dirty="0" smtClean="0"/>
+              <a:t>Using </a:t>
+            </a:r>
+            <a:r>
+              <a:rPr lang="en-US" dirty="0" err="1" smtClean="0"/>
+              <a:t>NDBUnit</a:t>
+            </a:r>
+            <a:endParaRPr lang="en-US" dirty="0" smtClean="0"/>
+          </a:p>
+          <a:p>
+            <a:endParaRPr lang="en-US" dirty="0"/>
+          </a:p>
+        </p:txBody>
+      </p:sp>
+    </p:spTree>
+    <p:extLst>
+      <p:ext uri="{BB962C8B-B14F-4D97-AF65-F5344CB8AC3E}">
+        <p14:creationId xmlns:p14="http://schemas.microsoft.com/office/powerpoint/2010/main" val="815634550"/>
+      </p:ext>
+    </p:extLst>
+  </p:cSld>
+  <p:clrMapOvr>
+    <a:masterClrMapping/>
+  </p:clrMapOvr>
+</p:sld>
+</file>
+
+<file path=ppt/slides/slide12.xml><?xml version="1.0" encoding="utf-8"?>
+<p:sld xmlns:a="http://schemas.openxmlformats.org/drawingml/2006/main" xmlns:r="http://schemas.openxmlformats.org/officeDocument/2006/relationships" xmlns:p="http://schemas.openxmlformats.org/presentationml/2006/main">
+  <p:cSld>
+    <p:spTree>
+      <p:nvGrpSpPr>
+        <p:cNvPr id="1" name=""/>
+        <p:cNvGrpSpPr/>
+        <p:nvPr/>
+      </p:nvGrpSpPr>
+      <p:grpSpPr>
+        <a:xfrm>
+          <a:off x="0" y="0"/>
+          <a:ext cx="0" cy="0"/>
+          <a:chOff x="0" y="0"/>
+          <a:chExt cx="0" cy="0"/>
+        </a:xfrm>
+      </p:grpSpPr>
+      <p:sp>
+        <p:nvSpPr>
+          <p:cNvPr id="2" name="Title 1"/>
+          <p:cNvSpPr>
+            <a:spLocks noGrp="1"/>
+          </p:cNvSpPr>
+          <p:nvPr>
+            <p:ph type="title"/>
+          </p:nvPr>
+        </p:nvSpPr>
+        <p:spPr/>
+        <p:txBody>
+          <a:bodyPr/>
+          <a:lstStyle/>
+          <a:p>
+            <a:r>
+              <a:rPr lang="en-US" dirty="0" smtClean="0"/>
+              <a:t>Code</a:t>
+            </a:r>
+            <a:endParaRPr lang="en-US" dirty="0"/>
+          </a:p>
+        </p:txBody>
+      </p:sp>
+      <p:sp>
+        <p:nvSpPr>
+          <p:cNvPr id="3" name="Content Placeholder 2"/>
+          <p:cNvSpPr>
+            <a:spLocks noGrp="1"/>
+          </p:cNvSpPr>
+          <p:nvPr>
+            <p:ph idx="1"/>
+          </p:nvPr>
+        </p:nvSpPr>
+        <p:spPr/>
+        <p:txBody>
+          <a:bodyPr/>
+          <a:lstStyle/>
+          <a:p>
+            <a:r>
+              <a:rPr lang="en-US" dirty="0" smtClean="0"/>
+              <a:t>Let’s do some code.</a:t>
+            </a:r>
+            <a:endParaRPr lang="en-US" dirty="0"/>
+          </a:p>
+        </p:txBody>
+      </p:sp>
+    </p:spTree>
+    <p:extLst>
+      <p:ext uri="{BB962C8B-B14F-4D97-AF65-F5344CB8AC3E}">
+        <p14:creationId xmlns:p14="http://schemas.microsoft.com/office/powerpoint/2010/main" val="3726077685"/>
+      </p:ext>
+    </p:extLst>
+  </p:cSld>
+  <p:clrMapOvr>
+    <a:masterClrMapping/>
+  </p:clrMapOvr>
+</p:sld>
+</file>
+
+<file path=ppt/slides/slide13.xml><?xml version="1.0" encoding="utf-8"?>
+<p:sld xmlns:a="http://schemas.openxmlformats.org/drawingml/2006/main" xmlns:r="http://schemas.openxmlformats.org/officeDocument/2006/relationships" xmlns:p="http://schemas.openxmlformats.org/presentationml/2006/main">
+  <p:cSld>
+    <p:spTree>
+      <p:nvGrpSpPr>
+        <p:cNvPr id="1" name=""/>
+        <p:cNvGrpSpPr/>
+        <p:nvPr/>
+      </p:nvGrpSpPr>
+      <p:grpSpPr>
+        <a:xfrm>
+          <a:off x="0" y="0"/>
+          <a:ext cx="0" cy="0"/>
+          <a:chOff x="0" y="0"/>
+          <a:chExt cx="0" cy="0"/>
+        </a:xfrm>
+      </p:grpSpPr>
+      <p:sp>
+        <p:nvSpPr>
+          <p:cNvPr id="2" name="Title 1"/>
+          <p:cNvSpPr>
+            <a:spLocks noGrp="1"/>
+          </p:cNvSpPr>
+          <p:nvPr>
+            <p:ph type="title"/>
+          </p:nvPr>
+        </p:nvSpPr>
+        <p:spPr/>
+        <p:txBody>
+          <a:bodyPr/>
+          <a:lstStyle/>
+          <a:p>
+            <a:r>
+              <a:rPr lang="en-US" dirty="0" smtClean="0"/>
+              <a:t>What We Did</a:t>
+            </a:r>
+            <a:endParaRPr lang="en-US" dirty="0"/>
+          </a:p>
+        </p:txBody>
+      </p:sp>
+      <p:pic>
+        <p:nvPicPr>
+          <p:cNvPr id="4" name="Picture 3"/>
+          <p:cNvPicPr>
+            <a:picLocks noChangeAspect="1"/>
+          </p:cNvPicPr>
+          <p:nvPr/>
+        </p:nvPicPr>
+        <p:blipFill>
+          <a:blip r:embed="rId2">
+            <a:extLst>
+              <a:ext uri="{28A0092B-C50C-407E-A947-70E740481C1C}">
+                <a14:useLocalDpi xmlns:a14="http://schemas.microsoft.com/office/drawing/2010/main" val="0"/>
+              </a:ext>
+            </a:extLst>
+          </a:blip>
+          <a:stretch>
+            <a:fillRect/>
+          </a:stretch>
+        </p:blipFill>
+        <p:spPr>
+          <a:xfrm>
+            <a:off x="1676400" y="1600200"/>
+            <a:ext cx="7009524" cy="4142857"/>
+          </a:xfrm>
+          <a:prstGeom prst="rect">
+            <a:avLst/>
+          </a:prstGeom>
+        </p:spPr>
+      </p:pic>
+    </p:spTree>
+    <p:extLst>
+      <p:ext uri="{BB962C8B-B14F-4D97-AF65-F5344CB8AC3E}">
+        <p14:creationId xmlns:p14="http://schemas.microsoft.com/office/powerpoint/2010/main" val="1412523272"/>
+      </p:ext>
+    </p:extLst>
+  </p:cSld>
+  <p:clrMapOvr>
+    <a:masterClrMapping/>
+  </p:clrMapOvr>
+</p:sld>
+</file>
+
+<file path=ppt/slides/slide14.xml><?xml version="1.0" encoding="utf-8"?>
+<p:sld xmlns:a="http://schemas.openxmlformats.org/drawingml/2006/main" xmlns:r="http://schemas.openxmlformats.org/officeDocument/2006/relationships" xmlns:p="http://schemas.openxmlformats.org/presentationml/2006/main">
+  <p:cSld>
+    <p:spTree>
+      <p:nvGrpSpPr>
+        <p:cNvPr id="1" name=""/>
+        <p:cNvGrpSpPr/>
+        <p:nvPr/>
+      </p:nvGrpSpPr>
+      <p:grpSpPr>
+        <a:xfrm>
+          <a:off x="0" y="0"/>
+          <a:ext cx="0" cy="0"/>
+          <a:chOff x="0" y="0"/>
+          <a:chExt cx="0" cy="0"/>
+        </a:xfrm>
+      </p:grpSpPr>
+      <p:sp>
+        <p:nvSpPr>
+          <p:cNvPr id="2" name="Title 1"/>
+          <p:cNvSpPr>
+            <a:spLocks noGrp="1"/>
+          </p:cNvSpPr>
+          <p:nvPr>
+            <p:ph type="title"/>
+          </p:nvPr>
+        </p:nvSpPr>
+        <p:spPr/>
+        <p:txBody>
+          <a:bodyPr/>
+          <a:lstStyle/>
+          <a:p>
+            <a:r>
+              <a:rPr lang="en-US" dirty="0" smtClean="0"/>
+              <a:t>Refactoring</a:t>
+            </a:r>
+            <a:endParaRPr lang="en-US" dirty="0"/>
+          </a:p>
+        </p:txBody>
+      </p:sp>
+      <p:sp>
+        <p:nvSpPr>
+          <p:cNvPr id="3" name="Content Placeholder 2"/>
+          <p:cNvSpPr>
+            <a:spLocks noGrp="1"/>
+          </p:cNvSpPr>
+          <p:nvPr>
+            <p:ph idx="1"/>
+          </p:nvPr>
+        </p:nvSpPr>
+        <p:spPr/>
+        <p:txBody>
+          <a:bodyPr/>
+          <a:lstStyle/>
+          <a:p>
+            <a:r>
+              <a:rPr lang="en-US" dirty="0" smtClean="0"/>
+              <a:t>We never broke the code.</a:t>
+            </a:r>
+          </a:p>
+          <a:p>
+            <a:r>
+              <a:rPr lang="en-US" dirty="0" smtClean="0"/>
+              <a:t>The code has reduced duplication.</a:t>
+            </a:r>
+          </a:p>
+          <a:p>
+            <a:r>
+              <a:rPr lang="en-US" dirty="0" smtClean="0"/>
+              <a:t>Better Separation of Concerns.</a:t>
+            </a:r>
+          </a:p>
+          <a:p>
+            <a:r>
+              <a:rPr lang="en-US" dirty="0" smtClean="0"/>
+              <a:t>Much more readable.</a:t>
+            </a:r>
+            <a:endParaRPr lang="en-US" dirty="0"/>
+          </a:p>
+        </p:txBody>
+      </p:sp>
+    </p:spTree>
+    <p:extLst>
+      <p:ext uri="{BB962C8B-B14F-4D97-AF65-F5344CB8AC3E}">
+        <p14:creationId xmlns:p14="http://schemas.microsoft.com/office/powerpoint/2010/main" val="1754106330"/>
+      </p:ext>
+    </p:extLst>
+  </p:cSld>
+  <p:clrMapOvr>
+    <a:masterClrMapping/>
+  </p:clrMapOvr>
+</p:sld>
+</file>
+
+<file path=ppt/slides/slide15.xml><?xml version="1.0" encoding="utf-8"?>
+<p:sld xmlns:a="http://schemas.openxmlformats.org/drawingml/2006/main" xmlns:r="http://schemas.openxmlformats.org/officeDocument/2006/relationships" xmlns:p="http://schemas.openxmlformats.org/presentationml/2006/main">
+  <p:cSld>
+    <p:spTree>
+      <p:nvGrpSpPr>
+        <p:cNvPr id="1" name=""/>
+        <p:cNvGrpSpPr/>
+        <p:nvPr/>
+      </p:nvGrpSpPr>
+      <p:grpSpPr>
+        <a:xfrm>
+          <a:off x="0" y="0"/>
+          <a:ext cx="0" cy="0"/>
+          <a:chOff x="0" y="0"/>
+          <a:chExt cx="0" cy="0"/>
+        </a:xfrm>
+      </p:grpSpPr>
+      <p:sp>
+        <p:nvSpPr>
+          <p:cNvPr id="2" name="Title 1"/>
+          <p:cNvSpPr>
+            <a:spLocks noGrp="1"/>
+          </p:cNvSpPr>
+          <p:nvPr>
+            <p:ph type="title"/>
+          </p:nvPr>
+        </p:nvSpPr>
+        <p:spPr/>
+        <p:txBody>
+          <a:bodyPr/>
+          <a:lstStyle/>
+          <a:p>
+            <a:r>
+              <a:rPr lang="en-US" dirty="0" smtClean="0"/>
+              <a:t>Inversion of Control</a:t>
+            </a:r>
+            <a:endParaRPr lang="en-US" dirty="0"/>
+          </a:p>
+        </p:txBody>
+      </p:sp>
+      <p:sp>
+        <p:nvSpPr>
+          <p:cNvPr id="3" name="Content Placeholder 2"/>
+          <p:cNvSpPr>
+            <a:spLocks noGrp="1"/>
+          </p:cNvSpPr>
+          <p:nvPr>
+            <p:ph idx="1"/>
+          </p:nvPr>
+        </p:nvSpPr>
+        <p:spPr/>
+        <p:txBody>
+          <a:bodyPr/>
+          <a:lstStyle/>
+          <a:p>
+            <a:r>
+              <a:rPr lang="en-US" dirty="0" smtClean="0"/>
+              <a:t>Currently we have tight coupling: all the place we have the new keyword.</a:t>
+            </a:r>
+          </a:p>
+          <a:p>
+            <a:r>
+              <a:rPr lang="en-US" dirty="0" smtClean="0"/>
+              <a:t>Let the caller pass us our dependencies.</a:t>
+            </a:r>
+          </a:p>
+          <a:p>
+            <a:r>
+              <a:rPr lang="en-US" dirty="0" smtClean="0"/>
+              <a:t>Allows us to include </a:t>
+            </a:r>
+            <a:r>
+              <a:rPr lang="en-US" smtClean="0"/>
+              <a:t>Dependency Injection</a:t>
+            </a:r>
+          </a:p>
+          <a:p>
+            <a:endParaRPr lang="en-US" dirty="0"/>
+          </a:p>
+        </p:txBody>
+      </p:sp>
+    </p:spTree>
+    <p:extLst>
+      <p:ext uri="{BB962C8B-B14F-4D97-AF65-F5344CB8AC3E}">
+        <p14:creationId xmlns:p14="http://schemas.microsoft.com/office/powerpoint/2010/main" val="4190041188"/>
       </p:ext>
     </p:extLst>
   </p:cSld>
@@ -4420,14 +4957,19 @@
           <a:p>
             <a:r>
               <a:rPr lang="en-US" dirty="0" smtClean="0"/>
-              <a:t>Will Cause us to Write Double the Code</a:t>
-            </a:r>
-          </a:p>
-          <a:p>
+              <a:t>Proven Increases in Production</a:t>
+            </a:r>
+          </a:p>
+          <a:p>
+            <a:r>
+              <a:rPr lang="en-US" dirty="0"/>
+              <a:t>Will Cause us to Write Double the </a:t>
+            </a:r>
             <a:r>
               <a:rPr lang="en-US" dirty="0" smtClean="0"/>
-              <a:t>Proven Increases in Production</a:t>
-            </a:r>
+              <a:t>Code</a:t>
+            </a:r>
+            <a:endParaRPr lang="en-US" dirty="0"/>
           </a:p>
         </p:txBody>
       </p:sp>
@@ -4756,11 +5298,7 @@
           <a:p>
             <a:r>
               <a:rPr lang="en-US" dirty="0" smtClean="0"/>
-              <a:t>Let’s review the </a:t>
-            </a:r>
-            <a:r>
-              <a:rPr lang="en-US" smtClean="0"/>
-              <a:t>Project Layout</a:t>
+              <a:t>Let’s create the project.</a:t>
             </a:r>
             <a:endParaRPr lang="en-US" dirty="0"/>
           </a:p>
@@ -4770,6 +5308,268 @@
     <p:extLst>
       <p:ext uri="{BB962C8B-B14F-4D97-AF65-F5344CB8AC3E}">
         <p14:creationId xmlns:p14="http://schemas.microsoft.com/office/powerpoint/2010/main" val="1867089401"/>
+      </p:ext>
+    </p:extLst>
+  </p:cSld>
+  <p:clrMapOvr>
+    <a:masterClrMapping/>
+  </p:clrMapOvr>
+</p:sld>
+</file>
+
+<file path=ppt/slides/slide8.xml><?xml version="1.0" encoding="utf-8"?>
+<p:sld xmlns:a="http://schemas.openxmlformats.org/drawingml/2006/main" xmlns:r="http://schemas.openxmlformats.org/officeDocument/2006/relationships" xmlns:p="http://schemas.openxmlformats.org/presentationml/2006/main">
+  <p:cSld>
+    <p:spTree>
+      <p:nvGrpSpPr>
+        <p:cNvPr id="1" name=""/>
+        <p:cNvGrpSpPr/>
+        <p:nvPr/>
+      </p:nvGrpSpPr>
+      <p:grpSpPr>
+        <a:xfrm>
+          <a:off x="0" y="0"/>
+          <a:ext cx="0" cy="0"/>
+          <a:chOff x="0" y="0"/>
+          <a:chExt cx="0" cy="0"/>
+        </a:xfrm>
+      </p:grpSpPr>
+      <p:sp>
+        <p:nvSpPr>
+          <p:cNvPr id="2" name="Title 1"/>
+          <p:cNvSpPr>
+            <a:spLocks noGrp="1"/>
+          </p:cNvSpPr>
+          <p:nvPr>
+            <p:ph type="title"/>
+          </p:nvPr>
+        </p:nvSpPr>
+        <p:spPr/>
+        <p:txBody>
+          <a:bodyPr/>
+          <a:lstStyle/>
+          <a:p>
+            <a:r>
+              <a:rPr lang="en-US" dirty="0" smtClean="0"/>
+              <a:t>Travel Club Signup</a:t>
+            </a:r>
+            <a:endParaRPr lang="en-US" dirty="0"/>
+          </a:p>
+        </p:txBody>
+      </p:sp>
+      <p:pic>
+        <p:nvPicPr>
+          <p:cNvPr id="1026" name="Picture 2" descr="C:\working\TDDWithMvc\Mockups\MainMockup.png"/>
+          <p:cNvPicPr>
+            <a:picLocks noChangeAspect="1" noChangeArrowheads="1"/>
+          </p:cNvPicPr>
+          <p:nvPr/>
+        </p:nvPicPr>
+        <p:blipFill>
+          <a:blip r:embed="rId2">
+            <a:extLst>
+              <a:ext uri="{28A0092B-C50C-407E-A947-70E740481C1C}">
+                <a14:useLocalDpi xmlns:a14="http://schemas.microsoft.com/office/drawing/2010/main" val="0"/>
+              </a:ext>
+            </a:extLst>
+          </a:blip>
+          <a:srcRect/>
+          <a:stretch>
+            <a:fillRect/>
+          </a:stretch>
+        </p:blipFill>
+        <p:spPr bwMode="auto">
+          <a:xfrm>
+            <a:off x="3026118" y="1447800"/>
+            <a:ext cx="3676650" cy="4067175"/>
+          </a:xfrm>
+          <a:prstGeom prst="rect">
+            <a:avLst/>
+          </a:prstGeom>
+          <a:noFill/>
+          <a:extLst>
+            <a:ext uri="{909E8E84-426E-40DD-AFC4-6F175D3DCCD1}">
+              <a14:hiddenFill xmlns:a14="http://schemas.microsoft.com/office/drawing/2010/main">
+                <a:solidFill>
+                  <a:srgbClr val="FFFFFF"/>
+                </a:solidFill>
+              </a14:hiddenFill>
+            </a:ext>
+          </a:extLst>
+        </p:spPr>
+      </p:pic>
+    </p:spTree>
+    <p:extLst>
+      <p:ext uri="{BB962C8B-B14F-4D97-AF65-F5344CB8AC3E}">
+        <p14:creationId xmlns:p14="http://schemas.microsoft.com/office/powerpoint/2010/main" val="1477912931"/>
+      </p:ext>
+    </p:extLst>
+  </p:cSld>
+  <p:clrMapOvr>
+    <a:masterClrMapping/>
+  </p:clrMapOvr>
+</p:sld>
+</file>
+
+<file path=ppt/slides/slide9.xml><?xml version="1.0" encoding="utf-8"?>
+<p:sld xmlns:a="http://schemas.openxmlformats.org/drawingml/2006/main" xmlns:r="http://schemas.openxmlformats.org/officeDocument/2006/relationships" xmlns:p="http://schemas.openxmlformats.org/presentationml/2006/main">
+  <p:cSld>
+    <p:spTree>
+      <p:nvGrpSpPr>
+        <p:cNvPr id="1" name=""/>
+        <p:cNvGrpSpPr/>
+        <p:nvPr/>
+      </p:nvGrpSpPr>
+      <p:grpSpPr>
+        <a:xfrm>
+          <a:off x="0" y="0"/>
+          <a:ext cx="0" cy="0"/>
+          <a:chOff x="0" y="0"/>
+          <a:chExt cx="0" cy="0"/>
+        </a:xfrm>
+      </p:grpSpPr>
+      <p:sp>
+        <p:nvSpPr>
+          <p:cNvPr id="2" name="Title 1"/>
+          <p:cNvSpPr>
+            <a:spLocks noGrp="1"/>
+          </p:cNvSpPr>
+          <p:nvPr>
+            <p:ph type="title"/>
+          </p:nvPr>
+        </p:nvSpPr>
+        <p:spPr/>
+        <p:txBody>
+          <a:bodyPr/>
+          <a:lstStyle/>
+          <a:p>
+            <a:r>
+              <a:rPr lang="en-US" dirty="0" smtClean="0"/>
+              <a:t>Test Driven Process</a:t>
+            </a:r>
+            <a:endParaRPr lang="en-US" dirty="0"/>
+          </a:p>
+        </p:txBody>
+      </p:sp>
+      <p:sp>
+        <p:nvSpPr>
+          <p:cNvPr id="3" name="Content Placeholder 2"/>
+          <p:cNvSpPr>
+            <a:spLocks noGrp="1"/>
+          </p:cNvSpPr>
+          <p:nvPr>
+            <p:ph idx="1"/>
+          </p:nvPr>
+        </p:nvSpPr>
+        <p:spPr>
+          <a:xfrm>
+            <a:off x="1435608" y="1447800"/>
+            <a:ext cx="7498080" cy="3429000"/>
+          </a:xfrm>
+        </p:spPr>
+        <p:txBody>
+          <a:bodyPr/>
+          <a:lstStyle/>
+          <a:p>
+            <a:pPr marL="596646" indent="-514350">
+              <a:buFont typeface="+mj-lt"/>
+              <a:buAutoNum type="arabicPeriod"/>
+            </a:pPr>
+            <a:r>
+              <a:rPr lang="en-US" dirty="0"/>
+              <a:t>Quickly add a test.</a:t>
+            </a:r>
+          </a:p>
+          <a:p>
+            <a:pPr marL="596646" indent="-514350">
+              <a:buFont typeface="+mj-lt"/>
+              <a:buAutoNum type="arabicPeriod"/>
+            </a:pPr>
+            <a:r>
+              <a:rPr lang="en-US" dirty="0"/>
+              <a:t>Run all tests and see the new one fail.</a:t>
+            </a:r>
+          </a:p>
+          <a:p>
+            <a:pPr marL="596646" indent="-514350">
+              <a:buFont typeface="+mj-lt"/>
+              <a:buAutoNum type="arabicPeriod"/>
+            </a:pPr>
+            <a:r>
+              <a:rPr lang="en-US" dirty="0"/>
+              <a:t>Make a little change.</a:t>
+            </a:r>
+          </a:p>
+          <a:p>
+            <a:pPr marL="596646" indent="-514350">
+              <a:buFont typeface="+mj-lt"/>
+              <a:buAutoNum type="arabicPeriod"/>
+            </a:pPr>
+            <a:r>
+              <a:rPr lang="en-US" dirty="0"/>
+              <a:t>Run all tests and see them all succeed.</a:t>
+            </a:r>
+          </a:p>
+          <a:p>
+            <a:pPr marL="596646" indent="-514350">
+              <a:buFont typeface="+mj-lt"/>
+              <a:buAutoNum type="arabicPeriod"/>
+            </a:pPr>
+            <a:r>
+              <a:rPr lang="en-US" dirty="0"/>
+              <a:t>Refactor to </a:t>
+            </a:r>
+            <a:r>
+              <a:rPr lang="en-US" dirty="0" smtClean="0"/>
+              <a:t>remove duplication</a:t>
+            </a:r>
+            <a:r>
+              <a:rPr lang="en-US" dirty="0"/>
+              <a:t>.</a:t>
+            </a:r>
+          </a:p>
+        </p:txBody>
+      </p:sp>
+      <p:sp>
+        <p:nvSpPr>
+          <p:cNvPr id="4" name="TextBox 3"/>
+          <p:cNvSpPr txBox="1"/>
+          <p:nvPr/>
+        </p:nvSpPr>
+        <p:spPr>
+          <a:xfrm>
+            <a:off x="3124200" y="4953000"/>
+            <a:ext cx="4724400" cy="646331"/>
+          </a:xfrm>
+          <a:prstGeom prst="rect">
+            <a:avLst/>
+          </a:prstGeom>
+          <a:noFill/>
+        </p:spPr>
+        <p:txBody>
+          <a:bodyPr wrap="square" rtlCol="0">
+            <a:spAutoFit/>
+          </a:bodyPr>
+          <a:lstStyle/>
+          <a:p>
+            <a:r>
+              <a:rPr lang="en-US" dirty="0" smtClean="0"/>
+              <a:t>-- Test Driven Development by Example</a:t>
+            </a:r>
+          </a:p>
+          <a:p>
+            <a:r>
+              <a:rPr lang="en-US" dirty="0" smtClean="0"/>
+              <a:t>Kent Beck</a:t>
+            </a:r>
+            <a:endParaRPr lang="en-US" dirty="0"/>
+          </a:p>
+        </p:txBody>
+      </p:sp>
+    </p:spTree>
+    <p:extLst>
+      <p:ext uri="{BB962C8B-B14F-4D97-AF65-F5344CB8AC3E}">
+        <p14:creationId xmlns:p14="http://schemas.microsoft.com/office/powerpoint/2010/main" val="4170172900"/>
       </p:ext>
     </p:extLst>
   </p:cSld>
